--- a/demo_site/files/slides/lecture1_intro_Bink.pptx
+++ b/demo_site/files/slides/lecture1_intro_Bink.pptx
@@ -3770,7 +3770,9 @@
         </p:nvSpPr>
         <p:spPr/>
         <p:txBody>
-          <a:bodyPr/>
+          <a:bodyPr>
+            <a:normAutofit fontScale="85000" lnSpcReduction="20000"/>
+          </a:bodyPr>
           <a:lstStyle/>
           <a:p>
             <a:r>
@@ -3780,7 +3782,10 @@
           </a:p>
           <a:p>
             <a:pPr lvl="1"/>
-            <a:endParaRPr lang="en-US" dirty="0"/>
+            <a:r>
+              <a:rPr lang="en-US" dirty="0"/>
+              <a:t>FIFO: a collection of items where the item we remove is the one that has been there the longest</a:t>
+            </a:r>
           </a:p>
           <a:p>
             <a:r>
@@ -3789,12 +3794,80 @@
             </a:r>
           </a:p>
           <a:p>
+            <a:pPr lvl="1"/>
+            <a:r>
+              <a:rPr lang="en-US" dirty="0"/>
+              <a:t>Add (enqueue)</a:t>
+            </a:r>
+          </a:p>
+          <a:p>
+            <a:pPr lvl="1"/>
+            <a:r>
+              <a:rPr lang="en-US" dirty="0"/>
+              <a:t>Pop/remove/dequeue</a:t>
+            </a:r>
+          </a:p>
+          <a:p>
+            <a:pPr lvl="1"/>
+            <a:r>
+              <a:rPr lang="en-US" dirty="0"/>
+              <a:t>Size</a:t>
+            </a:r>
+          </a:p>
+          <a:p>
+            <a:pPr lvl="1"/>
+            <a:r>
+              <a:rPr lang="en-US" dirty="0"/>
+              <a:t>Clear</a:t>
+            </a:r>
+          </a:p>
+          <a:p>
+            <a:pPr lvl="1"/>
+            <a:r>
+              <a:rPr lang="en-US" dirty="0" err="1"/>
+              <a:t>isEmpty</a:t>
+            </a:r>
             <a:endParaRPr lang="en-US" dirty="0"/>
           </a:p>
           <a:p>
             <a:r>
               <a:rPr lang="en-US" dirty="0"/>
               <a:t>Suggested data structures?</a:t>
+            </a:r>
+          </a:p>
+          <a:p>
+            <a:pPr lvl="1"/>
+            <a:r>
+              <a:rPr lang="en-US" dirty="0"/>
+              <a:t>Use a list</a:t>
+            </a:r>
+          </a:p>
+          <a:p>
+            <a:pPr lvl="2"/>
+            <a:r>
+              <a:rPr lang="en-US" dirty="0"/>
+              <a:t>Linked list i.e. linked nodes structure</a:t>
+            </a:r>
+          </a:p>
+          <a:p>
+            <a:pPr lvl="1"/>
+            <a:r>
+              <a:rPr lang="en-US" dirty="0"/>
+              <a:t>An array</a:t>
+            </a:r>
+          </a:p>
+          <a:p>
+            <a:pPr lvl="1"/>
+            <a:r>
+              <a:rPr lang="en-US" dirty="0"/>
+              <a:t>Big string</a:t>
+            </a:r>
+          </a:p>
+          <a:p>
+            <a:pPr lvl="1"/>
+            <a:r>
+              <a:rPr lang="en-US" dirty="0"/>
+              <a:t>Use recursion in a weird way</a:t>
             </a:r>
           </a:p>
           <a:p>
